--- a/reports/transporte_mercancias_carretera.pptx
+++ b/reports/transporte_mercancias_carretera.pptx
@@ -118,7 +118,7 @@
 <file path=ppt/revisionInfo.xml><?xml version="1.0" encoding="utf-8"?>
 <p1510:revInfo xmlns:a="http://schemas.openxmlformats.org/drawingml/2006/main" xmlns:r="http://schemas.openxmlformats.org/officeDocument/2006/relationships" xmlns:p1510="http://schemas.microsoft.com/office/powerpoint/2015/10/main">
   <p1510:revLst>
-    <p1510:client id="{DCC16A34-F6B7-40B3-A4BD-355F3FFC39A6}" v="1" dt="2025-11-24T22:25:54.084"/>
+    <p1510:client id="{87BC108F-2AB8-48DA-AB49-F9E86BDDFE2F}" v="6" dt="2018-08-08T09:06:44.784"/>
   </p1510:revLst>
 </p1510:revInfo>
 </file>
@@ -270,7 +270,7 @@
           <a:p>
             <a:fld id="{37A2730A-859E-B540-ADF3-E97069AD1FDB}" type="datetimeFigureOut">
               <a:rPr lang="en-US" smtClean="0"/>
-              <a:t>11/24/2025</a:t>
+              <a:t>11/25/2025</a:t>
             </a:fld>
             <a:endParaRPr lang="en-US"/>
           </a:p>
@@ -468,7 +468,7 @@
           <a:p>
             <a:fld id="{37A2730A-859E-B540-ADF3-E97069AD1FDB}" type="datetimeFigureOut">
               <a:rPr lang="en-US" smtClean="0"/>
-              <a:t>11/24/2025</a:t>
+              <a:t>11/25/2025</a:t>
             </a:fld>
             <a:endParaRPr lang="en-US"/>
           </a:p>
@@ -676,7 +676,7 @@
           <a:p>
             <a:fld id="{37A2730A-859E-B540-ADF3-E97069AD1FDB}" type="datetimeFigureOut">
               <a:rPr lang="en-US" smtClean="0"/>
-              <a:t>11/24/2025</a:t>
+              <a:t>11/25/2025</a:t>
             </a:fld>
             <a:endParaRPr lang="en-US"/>
           </a:p>
@@ -874,7 +874,7 @@
           <a:p>
             <a:fld id="{37A2730A-859E-B540-ADF3-E97069AD1FDB}" type="datetimeFigureOut">
               <a:rPr lang="en-US" smtClean="0"/>
-              <a:t>11/24/2025</a:t>
+              <a:t>11/25/2025</a:t>
             </a:fld>
             <a:endParaRPr lang="en-US"/>
           </a:p>
@@ -1149,7 +1149,7 @@
           <a:p>
             <a:fld id="{37A2730A-859E-B540-ADF3-E97069AD1FDB}" type="datetimeFigureOut">
               <a:rPr lang="en-US" smtClean="0"/>
-              <a:t>11/24/2025</a:t>
+              <a:t>11/25/2025</a:t>
             </a:fld>
             <a:endParaRPr lang="en-US"/>
           </a:p>
@@ -1414,7 +1414,7 @@
           <a:p>
             <a:fld id="{37A2730A-859E-B540-ADF3-E97069AD1FDB}" type="datetimeFigureOut">
               <a:rPr lang="en-US" smtClean="0"/>
-              <a:t>11/24/2025</a:t>
+              <a:t>11/25/2025</a:t>
             </a:fld>
             <a:endParaRPr lang="en-US"/>
           </a:p>
@@ -1826,7 +1826,7 @@
           <a:p>
             <a:fld id="{37A2730A-859E-B540-ADF3-E97069AD1FDB}" type="datetimeFigureOut">
               <a:rPr lang="en-US" smtClean="0"/>
-              <a:t>11/24/2025</a:t>
+              <a:t>11/25/2025</a:t>
             </a:fld>
             <a:endParaRPr lang="en-US"/>
           </a:p>
@@ -1967,7 +1967,7 @@
           <a:p>
             <a:fld id="{37A2730A-859E-B540-ADF3-E97069AD1FDB}" type="datetimeFigureOut">
               <a:rPr lang="en-US" smtClean="0"/>
-              <a:t>11/24/2025</a:t>
+              <a:t>11/25/2025</a:t>
             </a:fld>
             <a:endParaRPr lang="en-US"/>
           </a:p>
@@ -2080,7 +2080,7 @@
           <a:p>
             <a:fld id="{37A2730A-859E-B540-ADF3-E97069AD1FDB}" type="datetimeFigureOut">
               <a:rPr lang="en-US" smtClean="0"/>
-              <a:t>11/24/2025</a:t>
+              <a:t>11/25/2025</a:t>
             </a:fld>
             <a:endParaRPr lang="en-US"/>
           </a:p>
@@ -2391,7 +2391,7 @@
           <a:p>
             <a:fld id="{37A2730A-859E-B540-ADF3-E97069AD1FDB}" type="datetimeFigureOut">
               <a:rPr lang="en-US" smtClean="0"/>
-              <a:t>11/24/2025</a:t>
+              <a:t>11/25/2025</a:t>
             </a:fld>
             <a:endParaRPr lang="en-US"/>
           </a:p>
@@ -2679,7 +2679,7 @@
           <a:p>
             <a:fld id="{37A2730A-859E-B540-ADF3-E97069AD1FDB}" type="datetimeFigureOut">
               <a:rPr lang="en-US" smtClean="0"/>
-              <a:t>11/24/2025</a:t>
+              <a:t>11/25/2025</a:t>
             </a:fld>
             <a:endParaRPr lang="en-US"/>
           </a:p>
@@ -2920,7 +2920,7 @@
           <a:p>
             <a:fld id="{37A2730A-859E-B540-ADF3-E97069AD1FDB}" type="datetimeFigureOut">
               <a:rPr lang="en-US" smtClean="0"/>
-              <a:t>11/24/2025</a:t>
+              <a:t>11/25/2025</a:t>
             </a:fld>
             <a:endParaRPr lang="en-US"/>
           </a:p>
@@ -3458,17 +3458,11 @@
               <p:cNvGraphicFramePr>
                 <a:graphicFrameLocks noGrp="1"/>
               </p:cNvGraphicFramePr>
-              <p:nvPr>
-                <p:extLst>
-                  <p:ext uri="{D42A27DB-BD31-4B8C-83A1-F6EECF244321}">
-                    <p14:modId xmlns:p14="http://schemas.microsoft.com/office/powerpoint/2010/main" val="2524609633"/>
-                  </p:ext>
-                </p:extLst>
-              </p:nvPr>
+              <p:nvPr/>
             </p:nvGraphicFramePr>
             <p:xfrm>
-              <a:off x="0" y="1"/>
-              <a:ext cx="12192000" cy="6915396"/>
+              <a:off x="721012" y="1170879"/>
+              <a:ext cx="10749976" cy="5335725"/>
             </p:xfrm>
             <a:graphic>
               <a:graphicData uri="http://schemas.microsoft.com/office/webextensions/webextension/2010/11">
@@ -3494,8 +3488,8 @@
             </p:blipFill>
             <p:spPr>
               <a:xfrm>
-                <a:off x="0" y="1"/>
-                <a:ext cx="12192000" cy="6915396"/>
+                <a:off x="721012" y="1170879"/>
+                <a:ext cx="10749976" cy="5335725"/>
               </a:xfrm>
               <a:prstGeom prst="rect">
                 <a:avLst/>
@@ -3819,29 +3813,28 @@
 </file>
 
 <file path=ppt/webextensions/webextension1.xml><?xml version="1.0" encoding="utf-8"?>
-<we:webextension xmlns:we="http://schemas.microsoft.com/office/webextensions/webextension/2010/11" id="{bad40fd8-86e1-4f44-883b-2d619169845a}">
+<we:webextension xmlns:we="http://schemas.microsoft.com/office/webextensions/webextension/2010/11" id="{d77cdf02-81cb-40ec-948d-7d98aa17a260}">
   <we:reference id="WA200003233" version="2.0.0.3" store="en-US" storeType="OMEX"/>
   <we:alternateReferences/>
   <we:properties>
     <we:property name="Microsoft.Office.CampaignId" value="&quot;none&quot;"/>
-    <we:property name="reportUrl" value="&quot;/groups/me/reports/ee0cc43c-8faa-48ac-9ca5-f673dfcd8aaa/bbf2f40187784361cdda?bookmarkGuid=ab6c817f-2a49-4d45-a4eb-5cdfc7111275&amp;bookmarkUsage=1&amp;ctid=899789dc-202f-44b4-8472-a6d40f9eb440&amp;fromEntryPoint=export&amp;pbi_source=storytelling_addin&quot;"/>
+    <we:property name="reportUrl" value="&quot;/groups/me/reports/ee0cc43c-8faa-48ac-9ca5-f673dfcd8aaa/bbf2f40187784361cdda?bookmarkGuid=e690273f-33d3-4bb6-b930-188cacc1cb28&amp;bookmarkUsage=1&amp;ctid=899789dc-202f-44b4-8472-a6d40f9eb440&amp;fromEntryPoint=export&quot;"/>
     <we:property name="reportState" value="&quot;CONNECTED&quot;"/>
     <we:property name="artifactViewState" value="&quot;live&quot;"/>
-    <we:property name="reportEmbeddedTime" value="&quot;2025-11-24T22:18:54.378Z&quot;"/>
-    <we:property name="creatorSessionId" value="&quot;e0941946-c816-4241-b636-f085a9d15c37&quot;"/>
+    <we:property name="reportEmbeddedTime" value="&quot;2025-11-25T02:17:30.530Z&quot;"/>
+    <we:property name="creatorSessionId" value="&quot;18b3060a-0a4a-442b-800c-2e6cd1ccb6bb&quot;"/>
     <we:property name="creatorUserId" value="&quot;10032003CB4218C6&quot;"/>
     <we:property name="creatorTenantId" value="&quot;899789dc-202f-44b4-8472-a6d40f9eb440&quot;"/>
     <we:property name="pageDisplayName" value="&quot;Portada&quot;"/>
     <we:property name="pageName" value="&quot;bbf2f40187784361cdda&quot;"/>
+    <we:property name="isFiltersActionButtonVisible" value="false"/>
+    <we:property name="initialStateBookmark" value="&quot;H4sIAAAAAAAAA6WV32/UMAzH/xXU5xNyEufX3gZCII1tiKG9IISc2DeKurZqe2hjuv+d9G4ICXY61L20jet+/LXj1A8V12Pf0P0F3Up1Up3TkIm74QWqalW1e+Ory8uz89OPZ18vTs/fFHPXT3XXjtXJQzXRcCPTdT1uqJkRxfj5y6qipvlAN/NqTc0oq6qXYexaauqfsncur6ZhI9tVJXd90w00I68mmmTG/ijuZV1iq5emRKQ81T/kSvK0t6a01msEFbwPaJzKzFTcxr3DTtmTLjN6F/51105UtyXMbFtnMRg4IkIC8EgCO9+xbm+aR8F/vv10389VmeRuSt3dXI/0vQSeSdttSchx9CpmzQoolAuAVkdp9W2p178sH2wyRnmwGJ2xYNmEpSyTDCCLRdDGJ51ycmZ5likDO7uOyBCcQgvKPqNmFkJkAym7TJBQM+HxPA/S1kWPsFWRUixbykocLKd5IhssF4Z3Jc3sveOle6CRLZdW09H70moafMalLLfWNlvvskq+tFpmyP4oa/xG/ROsGFOKTEJOsdKeVNBxecWENYoS4yQp57ID7Z5BCzFnb31IwQT0wWhLx/v2QJ7gskUU75UPOllny6lfrgxNcDojOKPYKA2iJS1VZk0GHZMrKVrjOXv6j908qMyUPwajWVtFUQsrh+H46TygDBV7TMgeSqICkJSXpT0LVhAYo09eLIFRJh2v2OGTyQnROU3grFDkZNXi02Sz4awTxNKuRlyZB27hXhbYX0Pm7dBt+t2kKQFMFI4as43WIEDc/Uvq8V3NLO3jVNxB/kCrWyljdn7oNtPYU5YP1Jb154eqH7oyW6dadn5lllLLwo/Pw3x/X08y7LVfU7OZZe+GcvVbaZ0aOfLBLGr2326/zJdfyT0tjjYIAAA=&quot;"/>
+    <we:property name="bookmark" value="&quot;H4sIAAAAAAAAA6WVTWvcQAyG/0rxeSmaGc1Xrj20h7YEUnIJOWhGcuri2Mb2hqRh/3vH3kCgzbLFudjzIT96pdFYzxU309DS03e6l+qi+kZjJu7HD6iqXdUdF0OQRKiIDVnWQdmEqez2w9z03VRdPFczjXcyXzfTntqFVBZvbncVte0l3S2zmtpJdtUg49R31Da/5WhctuZxL4ddJY9D24+0IK9mmmXBPhTzMi8S1EdTPFKemwe5kjwfV1OqdY2ggvcBjVOZmYrZdDRYlb1psqBX95/6bqamK26WtTqLwcARERKARxJYbaemu2tfBL9+++NpWJIzy+Oc+sclH+lXcbyQDocSkOPoVcyaFVAoDwCtztKa+5Kvf1k+2GSM8mAxOmPBsglbWSYZQBaLoI1POuXkzPYoUwZ2to7IEJxCC8q+I2cWQmQDKbtMkFAz4fk4T9LqokfYqkgpliNlJQ620zyRDZYLw7sSZvbe8dYz0MiWS6np6H0pNQ0+41aWq7XN1ruski+llhmyP8uaftLwBivGlCKTkFOstCcVdNyeMWGNosQ4Scq57EC7d9BCzNlbH1IwAX0w2tL5uj0RJ7hsEcV75YNO1tly67crQxOczgjOKDZKg2hJW5VZk0HH5EqI1njOnv7jNE8qM+WPwWhqqyhqYeUwnL+dJ5ShYo8J2UMJVACS8rK1ZsEKAmP0yYslMMqk8xk7fTM5ITqnCZwVipys2nybbDacdYJYytWIK/3AbTzLAvuryXwe+/2wdpriwEThqDHbaA0CxPVf0kxfGmbpXrriCnmFVvdS2uwy6PfzNFCWS+rK/Oa5Gsa+9Na5kdWu9FLqWPhlPC7vr80s41H7NbX7RfbalKvFy+F2efwBmVZ8WA0IAAA=&quot;"/>
+    <we:property name="datasetId" value="&quot;b7f3f557-ad3a-4daf-b0e0-8486fa1a1ac4&quot;"/>
+    <we:property name="embedUrl" value="&quot;/reportEmbed?reportId=ee0cc43c-8faa-48ac-9ca5-f673dfcd8aaa&amp;config=eyJjbHVzdGVyVXJsIjoiaHR0cHM6Ly9XQUJJLU5PUlRILUVVUk9QRS1LLVBSSU1BUlktcmVkaXJlY3QuYW5hbHlzaXMud2luZG93cy5uZXQiLCJlbWJlZEZlYXR1cmVzIjp7InVzYWdlTWV0cmljc1ZOZXh0Ijp0cnVlfX0%3D&amp;disableSensitivityBanner=true&amp;storytellingChangeViewModeShortcutKeys=true&quot;"/>
+    <we:property name="backgroundColor" value="&quot;#042A04&quot;"/>
     <we:property name="reportName" value="&quot;transporte_mercancias_carretera&quot;"/>
     <we:property name="isVisualContainerHeaderHidden" value="false"/>
-    <we:property name="isFiltersActionButtonVisible" value="false"/>
-    <we:property name="initialStateBookmark" value="&quot;H4sIAAAAAAAAA+1bX28UyRH/KquVoiOSE1X/7+YNjC9BYCAYkYcIRdXdNfZcdnec2VkOH/JHykN0b3nli6VmZm1svMuaWTCGuwdLM7091VX1q7/d7bfjXM6PJ3jyBKc0vjvexzphruqRCuOd8awfvP/06aP9e88f/fPJvf09Hq6Om7Kazcd3344brA+peVnOFzhpSfDgP17tjHEyeYaH7VuBkzntjI+pnlcznJS/UD+Zf2rqBZ3ujOnN8aSqsSV50GBDLdnXPJ3feW3xZ8UrYmrK13RAqelHjfbkUk6QrTXaKkAknjbvJ3ScrZzSku6W361mDZYzXqYdyzZ5iMbbGJyOVmXjUzs+L2eHkyXD7799cXLcamV+hMftolX8iZdt6ZyesjgJlQKPCiARojA+gBlKKxuUKFQgr1tpYrDebqTV0JsmVm+uUrNIOfpkNThQ0RFY32mkKCfNUhHxZO/Ncc0YMrI9tXv5Nc4S5XEHVE3zHpe3491qsph2T3uXxg+qRZ3oORXdT7OmbE6YzINyOrr37r/VuGXkWV2xPXTj52NH1c+7NTH8eXwXTl/xyMcVNikT1ZdkHE+JbbF9OCQGtv2IxTju1ypp/l7Uy08vz2xN7ox/rKtp99nSHVqxr8qwM+65YD53xn8/opq6b9imctks1fDwA9XMl1OuobT+pVt9tbZ41Zc4WXTOxkQfl00v7tt+mCdKkPpxO/MVI9/+td9kbHCFTqZV7rRGHfIryf3wgL/I1c+zH8anS2Jzmpx54xWK86YuU3PQ4XfQzdtAvwsSS9KtyL27s+A/XXDoc5E/s+296pxD2UIkIVXywjiNwhPIjc6xy/Z6WLGwLM72/vGSjsq0mFzh89L45/STz2gQXwa1a2ikR09YAVoa55K2WUQPwsYbRu9FeVyNdqt5w9J+wO5yoXf/wdGdAzp897/ZaE6jaZlp9sffHqjDFdVjbT0mqUzOUYNUQYvs1A1ivQs6uNFDDvWJRs9qSmV1RY4H5bzhrFninUfT3xjCQ9SzxLXwioxyjiH1EjJE0MOLnSJCFqS0VDEFHwJkCsOLnX3C+aKm6yphn3KZcT7aS9Xs3a/TMl2JYC+qBicXveCygex8+0EqV7NFs3uEdXMZHH6pM9X3TzrFPyjrszKCy6+9G1V6b/7ZaFLBSIwyQErOC9hsKF8Tlec0wVS++/X33PFJmuqDjAGKAMoqDeiNVIQ6DO3OKCXhC8hJKAjZEvhrBKw1tLwzUSarFOqofNLeDqdVJJVAYULuQI3NJsXkB9Ny2RQUMtgIKQsusezmbraccu+/ojOOkfWUwDkAFABShM0yrqFlExGmDNIZAMoBYtzMF3ZWeH/RNGxnV0hGqUUsPJikvEdtuJrU6wPBcmvEKdaLlNZp0B6Jm+vYZo9lmHhRHT/ht+v1mvNF/PeC6pPxh3Hw4OwHfv7b2cMnda3n9fL7znXnfPb04uwVQfRSt3vWzm3fy76v4XfOOClKmvA8XubpZ00R50xMP2SCH6cs8TKmnOvpT/+ajvs2lxEc3xXQGUivBnlBdddR9A1vEVxsjZgJjBNa//W5yS1j9lfpYXe+Qvn1Udw/OaemyYKp1JR7fd2uomejia/M0stsevKlG3dtUyZBWlsIjtMfZ4jbVKZ/ZjvBOi9/+kaso9tbEdp7xc12JKezjCDNR/LijUN0qdUctfMHbZTdQmxWS9aDwv2sCCmAbksgbrljduL2gdIb1XeIyWXBekiSJIMZQHMD6R1ZkeM3EMq+E1zWS9eDo7ip8jZzfiFIIEBKcLcInP32GHV2YcLozh8Gtfe3EJp1svXA2JCEMR6cJHTcAqts/S0Cpjen3WoaucQruZgenYwOcIJ1Wc2/I4yuIWYPl7MavI/BE3QHyODj5mLgxnbLPvzp972xVXrpK2/MZIkcse9JIG0SXgPJtY537/CwpkM8a233tsD40bOHS15Hr+frjhBWHDD8uJgt/UUMajK/kggXENtWgq97JWNSzmir1ve22dCXao433kXwJGMhAwRtADjcsn/e9F2EwUH2Oo5Wl83RlJqyu2P1mIrmi+S0K0dsz8vDo26pg8ST8t7r3ohv9tBpp1+9vSbXvjzladhUjKTaZuPpPtbbud7vkKyG5EvFgE9M1kUhrZAhWB1Vzg4whsHHMFJEiUVBxkqbI7b08lBamnTwkmtAIAcQwCuz+ahp7Zm9tw6LEKK3QYJwNghLG6l9/FAHoyLgAgc4lJIU4LlBH86gAHRapCI5E50gp2IeDIMqnFQkMqD03nFLSmkLzlhvAhWXcqw7L6zV5DcDsY4zFNk5bsmCCdkJYCORwzkzlGMA7UEITJptxKrBnEl0UGTVSikxtKCmLa6IIDkH7ArtVhoAgoh2MwLrzjbZKoQjigynFZy/pRtMqwgUso85sk/ZBMYk2uwGa6VMVlt2KQAL7ApRBp23oEbKSQMFITspBEzB5s03pdfI6dlgTeEFgPJCQpCot7CzQD4mn5IwKDNmlWAbT3dMpVBBRmtT4HhrnB58Vl1ILYIWOocUpbUcLP3wgKtJUVaFgpRztJLdUwyX0mbXXg5wIRohEvMWaAtqyUuRM1h2cYPg0cgt/EmCthwtJEj2A2EVps22sY4WR21kSds2l3OBArxGpF1zH0IHl9glWWPsTowmB9vNGlvDF4fDlJIUXO4LERRw9FZDaYEyWhRoTPZOUjBWaxxsrygVtndQPFq0HNCy28IvkRniqE+gkrEZvRY0WEor+OsQvNEOvPA6pLyFjysqXCHAsaV6TCw0h6Mt5GSLjxz3pbZoBL9pPdgyKHhNTAGcklyxcDa4xv+QrKTFxPpJ5//w8pe6Whx3JSzorCMSp5ioDbtFNKGzmXL+1zJnmp3/h44GjvqaS1BruLLIQWj/wcTuAn+b7BMITvKJpHFS2MxJYjVJdmxua62U/GASsk86WjGxE2DVbly1aObHmOgZzmjFrhw3nDjLlJfPG//voNNSubwr8ZEPWqbON/FOT/8P2qfEET41AAA=&quot;"/>
-    <we:property name="bookmark" value="&quot;H4sIAAAAAAAAA6WVvW7cMAyAX6XwHBSURIlS165tESBFliADJfJSF45t2L4gaZB3r3wXIENzuMJZZIuiP/6INJ8baeex46cffK/Nl+Y7T4VlmD651Fw0/VFYTARfChBbJkAHIWk9HcalHfq5+fLcLDzd6XLdznvuVlIV3txeNNx1l3y37nbczXrRjDrNQ89d+0ePyvVomfb6ctHo49gNE6/Iq4UXXbEPVb3uqwvms6sWuSztg15pWY7SnHd2h2AiUUQXTBHhqjYfFQ6evauyog/mvw79wm1fzayyXVGHURIiZABCVjjozm1/1706/Pbtz6dxTc6ij0seHtd85N/V8Ep6eakBBUlkUrFigGNdAKw5S2vva77+ZVH02TlD4DEF58GLi1tZLjtAUY9gHWWbSw5ue5S5gAS/SygQg0EPxn8gZx5iEge5hMKQ0Qrj+ThP0nbVHxVvEudUr1SMBthOI2YfvVQGhRpmIQqy9Q4sipdaajYR1VKzQAW3ssLO+uIpFJOplloRKHSWNf/i8R1WSjknYeVgxFhiE23anjEVi2rUBc0mhBLAhg/QYiqFPMUcXUSKzno+X7cn4oRQPKISGYo2++Br12/3DF0MtiAEZ8QZC2o1b/XMuwI25VBD9I6kEP/HbZ70zNU/hqDbecPJqpiA8Xx3nvAMjRBmFIIaqAJkQ7q1ZsErgmCiTOoZnHH5fMZOd6ZkxBAsQ/DKSbI3G7vpgHuTNPda59r6MuyXeeSil9zX/c1zM05DHWZLqwe9Ory4F5XX92l9fmsXnY6Gr7nbrzYPU7A5mLldl78q1ZYkfgcAAA==&quot;"/>
-    <we:property name="datasetId" value="&quot;b7f3f557-ad3a-4daf-b0e0-8486fa1a1ac4&quot;"/>
-    <we:property name="embedUrl" value="&quot;/reportEmbed?reportId=ee0cc43c-8faa-48ac-9ca5-f673dfcd8aaa&amp;config=eyJjbHVzdGVyVXJsIjoiaHR0cHM6Ly9XQUJJLU5PUlRILUVVUk9QRS1LLVBSSU1BUlktcmVkaXJlY3QuYW5hbHlzaXMud2luZG93cy5uZXQiLCJlbWJlZEZlYXR1cmVzIjp7InVzYWdlTWV0cmljc1ZOZXh0Ijp0cnVlfX0%3D&amp;disableSensitivityBanner=true&amp;storytellingChangeViewModeShortcutKeys=true&quot;"/>
-    <we:property name="backgroundColor" value="&quot;#FCF6D7&quot;"/>
-    <we:property name="design" value="{&quot;border&quot;:{&quot;isActive&quot;:true,&quot;color&quot;:&quot;#808080&quot;,&quot;width&quot;:1,&quot;transparency&quot;:0,&quot;dash&quot;:&quot;solid&quot;}}"/>
   </we:properties>
   <we:bindings/>
   <we:snapshot xmlns:r="http://schemas.openxmlformats.org/officeDocument/2006/relationships"/>
